--- a/05_NumPyLibrary.pptx
+++ b/05_NumPyLibrary.pptx
@@ -3706,7 +3706,23 @@
                   <a:schemeClr val="tx1"/>
                 </a:solidFill>
               </a:rPr>
-              <a:t>NumPy Library</a:t>
+              <a:t>NumPy Library </a:t>
+            </a:r>
+            <a:r>
+              <a:rPr lang="en-US" sz="1800" b="1">
+                <a:solidFill>
+                  <a:schemeClr val="tx1"/>
+                </a:solidFill>
+              </a:rPr>
+              <a:t>(Python Multi-Dimension </a:t>
+            </a:r>
+            <a:r>
+              <a:rPr lang="en-US" sz="1800" b="1" dirty="0">
+                <a:solidFill>
+                  <a:schemeClr val="tx1"/>
+                </a:solidFill>
+              </a:rPr>
+              <a:t>Array)</a:t>
             </a:r>
           </a:p>
           <a:p>
@@ -3742,7 +3758,23 @@
                   <a:schemeClr val="tx1"/>
                 </a:solidFill>
               </a:rPr>
-              <a:t>It is a library consisting of multidimensional array objects and a collection of routines for processing of array.</a:t>
+              <a:t>NumPy is a library of </a:t>
+            </a:r>
+            <a:r>
+              <a:rPr lang="en-US" sz="1800" b="1" dirty="0">
+                <a:solidFill>
+                  <a:schemeClr val="tx1"/>
+                </a:solidFill>
+              </a:rPr>
+              <a:t>multidimensional array objects </a:t>
+            </a:r>
+            <a:r>
+              <a:rPr lang="en-US" sz="1800" dirty="0">
+                <a:solidFill>
+                  <a:schemeClr val="tx1"/>
+                </a:solidFill>
+              </a:rPr>
+              <a:t>and a collection of routines for processing of array.</a:t>
             </a:r>
           </a:p>
           <a:p>
